--- a/lectures/_resources/templates/pptx/RMLecturepptxTemplate.pptx
+++ b/lectures/_resources/templates/pptx/RMLecturepptxTemplate.pptx
@@ -214,7 +214,7 @@
           <a:p>
             <a:fld id="{0F9C1CCF-B725-44A7-AA57-5E433BD85C9F}" type="datetimeFigureOut">
               <a:rPr lang="en-US" smtClean="0"/>
-              <a:t>9/13/22</a:t>
+              <a:t>9/28/22</a:t>
             </a:fld>
             <a:endParaRPr lang="en-US"/>
           </a:p>
@@ -617,13 +617,10 @@
             <a:normAutofit/>
           </a:bodyPr>
           <a:lstStyle>
-            <a:lvl1pPr algn="ctr">
+            <a:lvl1pPr algn="l">
               <a:defRPr sz="3600">
                 <a:solidFill>
-                  <a:schemeClr val="tx1">
-                    <a:lumMod val="75000"/>
-                    <a:lumOff val="25000"/>
-                  </a:schemeClr>
+                  <a:schemeClr val="tx1"/>
                 </a:solidFill>
               </a:defRPr>
             </a:lvl1pPr>
@@ -664,7 +661,7 @@
             <a:normAutofit/>
           </a:bodyPr>
           <a:lstStyle>
-            <a:lvl1pPr marL="0" indent="0" algn="ctr">
+            <a:lvl1pPr marL="0" indent="0" algn="l">
               <a:buNone/>
               <a:defRPr sz="1800" b="0">
                 <a:solidFill>
@@ -740,10 +737,7 @@
             <a:lvl1pPr>
               <a:defRPr sz="2000">
                 <a:solidFill>
-                  <a:schemeClr val="tx1">
-                    <a:lumMod val="75000"/>
-                    <a:lumOff val="25000"/>
-                  </a:schemeClr>
+                  <a:schemeClr val="tx1"/>
                 </a:solidFill>
               </a:defRPr>
             </a:lvl1pPr>
@@ -752,9 +746,9 @@
             <a:fld id="{241EB5C9-1307-BA42-ABA2-0BC069CD8E7F}" type="datetimeFigureOut">
               <a:rPr lang="en-US" smtClean="0"/>
               <a:pPr/>
-              <a:t>9/13/22</a:t>
+              <a:t>9/28/22</a:t>
             </a:fld>
-            <a:endParaRPr lang="en-US"/>
+            <a:endParaRPr lang="en-US" dirty="0"/>
           </a:p>
         </p:txBody>
       </p:sp>
@@ -843,6 +837,36 @@
           </a:p>
         </p:txBody>
       </p:sp>
+      <p:pic>
+        <p:nvPicPr>
+          <p:cNvPr id="7" name="Picture 6" descr="A picture containing text, primate, monitor, indoor&#10;&#10;Description automatically generated">
+            <a:extLst>
+              <a:ext uri="{FF2B5EF4-FFF2-40B4-BE49-F238E27FC236}">
+                <a16:creationId xmlns:a16="http://schemas.microsoft.com/office/drawing/2014/main" id="{B6FBD17D-F718-95C1-DDB9-BB5B65FE2BD9}"/>
+              </a:ext>
+            </a:extLst>
+          </p:cNvPr>
+          <p:cNvPicPr>
+            <a:picLocks noChangeAspect="1"/>
+          </p:cNvPicPr>
+          <p:nvPr userDrawn="1"/>
+        </p:nvPicPr>
+        <p:blipFill>
+          <a:blip r:embed="rId2"/>
+          <a:stretch>
+            <a:fillRect/>
+          </a:stretch>
+        </p:blipFill>
+        <p:spPr>
+          <a:xfrm>
+            <a:off x="10822010" y="5566889"/>
+            <a:ext cx="1063580" cy="1220148"/>
+          </a:xfrm>
+          <a:prstGeom prst="rect">
+            <a:avLst/>
+          </a:prstGeom>
+        </p:spPr>
+      </p:pic>
     </p:spTree>
     <p:extLst>
       <p:ext uri="{BB962C8B-B14F-4D97-AF65-F5344CB8AC3E}">
@@ -1065,7 +1089,7 @@
             <a:fld id="{241EB5C9-1307-BA42-ABA2-0BC069CD8E7F}" type="datetimeFigureOut">
               <a:rPr lang="en-US" smtClean="0"/>
               <a:pPr/>
-              <a:t>9/13/22</a:t>
+              <a:t>9/28/22</a:t>
             </a:fld>
             <a:endParaRPr lang="en-US"/>
           </a:p>
@@ -1383,7 +1407,7 @@
             <a:fld id="{241EB5C9-1307-BA42-ABA2-0BC069CD8E7F}" type="datetimeFigureOut">
               <a:rPr lang="en-US" smtClean="0"/>
               <a:pPr/>
-              <a:t>9/13/22</a:t>
+              <a:t>9/28/22</a:t>
             </a:fld>
             <a:endParaRPr lang="en-US"/>
           </a:p>
@@ -1534,7 +1558,7 @@
             <a:normAutofit/>
           </a:bodyPr>
           <a:lstStyle>
-            <a:lvl1pPr algn="ctr">
+            <a:lvl1pPr algn="l">
               <a:defRPr sz="3600">
                 <a:solidFill>
                   <a:srgbClr val="3C5A72"/>
@@ -1578,7 +1602,7 @@
             <a:normAutofit/>
           </a:bodyPr>
           <a:lstStyle>
-            <a:lvl1pPr marL="0" indent="0" algn="ctr">
+            <a:lvl1pPr marL="0" indent="0" algn="l">
               <a:buNone/>
               <a:defRPr sz="2000" b="0">
                 <a:solidFill>
@@ -1699,7 +1723,7 @@
           <a:p>
             <a:fld id="{241EB5C9-1307-BA42-ABA2-0BC069CD8E7F}" type="datetimeFigureOut">
               <a:rPr lang="en-US" smtClean="0"/>
-              <a:t>9/13/22</a:t>
+              <a:t>9/28/22</a:t>
             </a:fld>
             <a:endParaRPr lang="en-US"/>
           </a:p>
@@ -1767,6 +1791,36 @@
           </a:p>
         </p:txBody>
       </p:sp>
+      <p:pic>
+        <p:nvPicPr>
+          <p:cNvPr id="7" name="Picture 6" descr="A picture containing text, primate, monitor, indoor&#10;&#10;Description automatically generated">
+            <a:extLst>
+              <a:ext uri="{FF2B5EF4-FFF2-40B4-BE49-F238E27FC236}">
+                <a16:creationId xmlns:a16="http://schemas.microsoft.com/office/drawing/2014/main" id="{F4EFD39C-D04F-D648-B6B2-07092A492153}"/>
+              </a:ext>
+            </a:extLst>
+          </p:cNvPr>
+          <p:cNvPicPr>
+            <a:picLocks noChangeAspect="1"/>
+          </p:cNvPicPr>
+          <p:nvPr userDrawn="1"/>
+        </p:nvPicPr>
+        <p:blipFill>
+          <a:blip r:embed="rId2"/>
+          <a:stretch>
+            <a:fillRect/>
+          </a:stretch>
+        </p:blipFill>
+        <p:spPr>
+          <a:xfrm>
+            <a:off x="10822010" y="5566889"/>
+            <a:ext cx="1063580" cy="1220148"/>
+          </a:xfrm>
+          <a:prstGeom prst="rect">
+            <a:avLst/>
+          </a:prstGeom>
+        </p:spPr>
+      </p:pic>
     </p:spTree>
     <p:extLst>
       <p:ext uri="{BB962C8B-B14F-4D97-AF65-F5344CB8AC3E}">
@@ -1816,7 +1870,7 @@
         <p:spPr>
           <a:xfrm>
             <a:off x="838200" y="365129"/>
-            <a:ext cx="10515600" cy="1325563"/>
+            <a:ext cx="10002520" cy="1325563"/>
           </a:xfrm>
           <a:prstGeom prst="rect">
             <a:avLst/>
@@ -1830,10 +1884,7 @@
             <a:lvl1pPr>
               <a:defRPr sz="3200">
                 <a:solidFill>
-                  <a:schemeClr val="tx1">
-                    <a:lumMod val="75000"/>
-                    <a:lumOff val="25000"/>
-                  </a:schemeClr>
+                  <a:schemeClr val="tx1"/>
                 </a:solidFill>
                 <a:latin typeface="Atkinson Hyperlegible" pitchFamily="2" charset="0"/>
                 <a:cs typeface="Arial" panose="020B0604020202020204" pitchFamily="34" charset="0"/>
@@ -1870,60 +1921,75 @@
           <a:bodyPr/>
           <a:lstStyle>
             <a:lvl1pPr>
-              <a:defRPr>
-                <a:solidFill>
-                  <a:schemeClr val="tx1">
-                    <a:lumMod val="75000"/>
-                    <a:lumOff val="25000"/>
-                  </a:schemeClr>
+              <a:lnSpc>
+                <a:spcPct val="100000"/>
+              </a:lnSpc>
+              <a:spcBef>
+                <a:spcPts val="1000"/>
+              </a:spcBef>
+              <a:defRPr>
+                <a:solidFill>
+                  <a:schemeClr val="tx1"/>
                 </a:solidFill>
                 <a:latin typeface="Atkinson Hyperlegible" pitchFamily="2" charset="0"/>
                 <a:cs typeface="Arial" panose="020B0604020202020204" pitchFamily="34" charset="0"/>
               </a:defRPr>
             </a:lvl1pPr>
             <a:lvl2pPr>
-              <a:defRPr>
-                <a:solidFill>
-                  <a:schemeClr val="tx1">
-                    <a:lumMod val="75000"/>
-                    <a:lumOff val="25000"/>
-                  </a:schemeClr>
+              <a:lnSpc>
+                <a:spcPct val="100000"/>
+              </a:lnSpc>
+              <a:spcBef>
+                <a:spcPts val="1000"/>
+              </a:spcBef>
+              <a:defRPr>
+                <a:solidFill>
+                  <a:schemeClr val="tx1"/>
                 </a:solidFill>
                 <a:latin typeface="Atkinson Hyperlegible" pitchFamily="2" charset="0"/>
                 <a:cs typeface="Arial" panose="020B0604020202020204" pitchFamily="34" charset="0"/>
               </a:defRPr>
             </a:lvl2pPr>
             <a:lvl3pPr>
-              <a:defRPr>
-                <a:solidFill>
-                  <a:schemeClr val="tx1">
-                    <a:lumMod val="75000"/>
-                    <a:lumOff val="25000"/>
-                  </a:schemeClr>
+              <a:lnSpc>
+                <a:spcPct val="100000"/>
+              </a:lnSpc>
+              <a:spcBef>
+                <a:spcPts val="1000"/>
+              </a:spcBef>
+              <a:defRPr>
+                <a:solidFill>
+                  <a:schemeClr val="tx1"/>
                 </a:solidFill>
                 <a:latin typeface="Atkinson Hyperlegible" pitchFamily="2" charset="0"/>
                 <a:cs typeface="Arial" panose="020B0604020202020204" pitchFamily="34" charset="0"/>
               </a:defRPr>
             </a:lvl3pPr>
             <a:lvl4pPr>
-              <a:defRPr>
-                <a:solidFill>
-                  <a:schemeClr val="tx1">
-                    <a:lumMod val="75000"/>
-                    <a:lumOff val="25000"/>
-                  </a:schemeClr>
+              <a:lnSpc>
+                <a:spcPct val="100000"/>
+              </a:lnSpc>
+              <a:spcBef>
+                <a:spcPts val="1000"/>
+              </a:spcBef>
+              <a:defRPr>
+                <a:solidFill>
+                  <a:schemeClr val="tx1"/>
                 </a:solidFill>
                 <a:latin typeface="Atkinson Hyperlegible" pitchFamily="2" charset="0"/>
                 <a:cs typeface="Arial" panose="020B0604020202020204" pitchFamily="34" charset="0"/>
               </a:defRPr>
             </a:lvl4pPr>
             <a:lvl5pPr>
-              <a:defRPr>
-                <a:solidFill>
-                  <a:schemeClr val="tx1">
-                    <a:lumMod val="75000"/>
-                    <a:lumOff val="25000"/>
-                  </a:schemeClr>
+              <a:lnSpc>
+                <a:spcPct val="100000"/>
+              </a:lnSpc>
+              <a:spcBef>
+                <a:spcPts val="1000"/>
+              </a:spcBef>
+              <a:defRPr>
+                <a:solidFill>
+                  <a:schemeClr val="tx1"/>
                 </a:solidFill>
                 <a:latin typeface="Atkinson Hyperlegible" pitchFamily="2" charset="0"/>
                 <a:cs typeface="Arial" panose="020B0604020202020204" pitchFamily="34" charset="0"/>
@@ -2004,7 +2070,7 @@
             <a:fld id="{241EB5C9-1307-BA42-ABA2-0BC069CD8E7F}" type="datetimeFigureOut">
               <a:rPr lang="en-US" smtClean="0"/>
               <a:pPr/>
-              <a:t>9/13/22</a:t>
+              <a:t>9/28/22</a:t>
             </a:fld>
             <a:endParaRPr lang="en-US"/>
           </a:p>
@@ -2157,13 +2223,10 @@
             <a:normAutofit/>
           </a:bodyPr>
           <a:lstStyle>
-            <a:lvl1pPr algn="ctr">
+            <a:lvl1pPr algn="l">
               <a:defRPr sz="4400">
                 <a:solidFill>
-                  <a:schemeClr val="tx1">
-                    <a:lumMod val="75000"/>
-                    <a:lumOff val="25000"/>
-                  </a:schemeClr>
+                  <a:schemeClr val="tx1"/>
                 </a:solidFill>
               </a:defRPr>
             </a:lvl1pPr>
@@ -2200,7 +2263,7 @@
           <a:p>
             <a:fld id="{241EB5C9-1307-BA42-ABA2-0BC069CD8E7F}" type="datetimeFigureOut">
               <a:rPr lang="en-US" smtClean="0"/>
-              <a:t>9/13/22</a:t>
+              <a:t>9/28/22</a:t>
             </a:fld>
             <a:endParaRPr lang="en-US"/>
           </a:p>
@@ -2268,6 +2331,36 @@
           </a:p>
         </p:txBody>
       </p:sp>
+      <p:pic>
+        <p:nvPicPr>
+          <p:cNvPr id="3" name="Picture 2" descr="A picture containing text, primate, monitor, indoor&#10;&#10;Description automatically generated">
+            <a:extLst>
+              <a:ext uri="{FF2B5EF4-FFF2-40B4-BE49-F238E27FC236}">
+                <a16:creationId xmlns:a16="http://schemas.microsoft.com/office/drawing/2014/main" id="{A8EB6A88-2E41-552F-6E71-A9DFA92F0663}"/>
+              </a:ext>
+            </a:extLst>
+          </p:cNvPr>
+          <p:cNvPicPr>
+            <a:picLocks noChangeAspect="1"/>
+          </p:cNvPicPr>
+          <p:nvPr userDrawn="1"/>
+        </p:nvPicPr>
+        <p:blipFill>
+          <a:blip r:embed="rId2"/>
+          <a:stretch>
+            <a:fillRect/>
+          </a:stretch>
+        </p:blipFill>
+        <p:spPr>
+          <a:xfrm>
+            <a:off x="10822010" y="5566889"/>
+            <a:ext cx="1063580" cy="1220148"/>
+          </a:xfrm>
+          <a:prstGeom prst="rect">
+            <a:avLst/>
+          </a:prstGeom>
+        </p:spPr>
+      </p:pic>
     </p:spTree>
     <p:extLst>
       <p:ext uri="{BB962C8B-B14F-4D97-AF65-F5344CB8AC3E}">
@@ -2372,6 +2465,12 @@
           <a:bodyPr/>
           <a:lstStyle>
             <a:lvl1pPr>
+              <a:lnSpc>
+                <a:spcPct val="100000"/>
+              </a:lnSpc>
+              <a:spcBef>
+                <a:spcPts val="1000"/>
+              </a:spcBef>
               <a:defRPr>
                 <a:solidFill>
                   <a:schemeClr val="tx1">
@@ -2384,6 +2483,12 @@
               </a:defRPr>
             </a:lvl1pPr>
             <a:lvl2pPr>
+              <a:lnSpc>
+                <a:spcPct val="100000"/>
+              </a:lnSpc>
+              <a:spcBef>
+                <a:spcPts val="1000"/>
+              </a:spcBef>
               <a:defRPr>
                 <a:solidFill>
                   <a:schemeClr val="tx1">
@@ -2396,6 +2501,12 @@
               </a:defRPr>
             </a:lvl2pPr>
             <a:lvl3pPr>
+              <a:lnSpc>
+                <a:spcPct val="100000"/>
+              </a:lnSpc>
+              <a:spcBef>
+                <a:spcPts val="1000"/>
+              </a:spcBef>
               <a:defRPr>
                 <a:solidFill>
                   <a:schemeClr val="tx1">
@@ -2408,6 +2519,12 @@
               </a:defRPr>
             </a:lvl3pPr>
             <a:lvl4pPr>
+              <a:lnSpc>
+                <a:spcPct val="100000"/>
+              </a:lnSpc>
+              <a:spcBef>
+                <a:spcPts val="1000"/>
+              </a:spcBef>
               <a:defRPr>
                 <a:solidFill>
                   <a:schemeClr val="tx1">
@@ -2420,6 +2537,12 @@
               </a:defRPr>
             </a:lvl4pPr>
             <a:lvl5pPr>
+              <a:lnSpc>
+                <a:spcPct val="100000"/>
+              </a:lnSpc>
+              <a:spcBef>
+                <a:spcPts val="1000"/>
+              </a:spcBef>
               <a:defRPr>
                 <a:solidFill>
                   <a:schemeClr val="tx1">
@@ -2496,6 +2619,12 @@
           <a:bodyPr/>
           <a:lstStyle>
             <a:lvl1pPr>
+              <a:lnSpc>
+                <a:spcPct val="100000"/>
+              </a:lnSpc>
+              <a:spcBef>
+                <a:spcPts val="1000"/>
+              </a:spcBef>
               <a:defRPr>
                 <a:solidFill>
                   <a:schemeClr val="tx1">
@@ -2508,6 +2637,12 @@
               </a:defRPr>
             </a:lvl1pPr>
             <a:lvl2pPr>
+              <a:lnSpc>
+                <a:spcPct val="100000"/>
+              </a:lnSpc>
+              <a:spcBef>
+                <a:spcPts val="1000"/>
+              </a:spcBef>
               <a:defRPr>
                 <a:solidFill>
                   <a:schemeClr val="tx1">
@@ -2520,6 +2655,12 @@
               </a:defRPr>
             </a:lvl2pPr>
             <a:lvl3pPr>
+              <a:lnSpc>
+                <a:spcPct val="100000"/>
+              </a:lnSpc>
+              <a:spcBef>
+                <a:spcPts val="1000"/>
+              </a:spcBef>
               <a:defRPr>
                 <a:solidFill>
                   <a:schemeClr val="tx1">
@@ -2532,6 +2673,12 @@
               </a:defRPr>
             </a:lvl3pPr>
             <a:lvl4pPr>
+              <a:lnSpc>
+                <a:spcPct val="100000"/>
+              </a:lnSpc>
+              <a:spcBef>
+                <a:spcPts val="1000"/>
+              </a:spcBef>
               <a:defRPr>
                 <a:solidFill>
                   <a:schemeClr val="tx1">
@@ -2544,6 +2691,12 @@
               </a:defRPr>
             </a:lvl4pPr>
             <a:lvl5pPr>
+              <a:lnSpc>
+                <a:spcPct val="100000"/>
+              </a:lnSpc>
+              <a:spcBef>
+                <a:spcPts val="1000"/>
+              </a:spcBef>
               <a:defRPr>
                 <a:solidFill>
                   <a:schemeClr val="tx1">
@@ -2629,7 +2782,7 @@
             <a:fld id="{241EB5C9-1307-BA42-ABA2-0BC069CD8E7F}" type="datetimeFigureOut">
               <a:rPr lang="en-US" smtClean="0"/>
               <a:pPr/>
-              <a:t>9/13/22</a:t>
+              <a:t>9/28/22</a:t>
             </a:fld>
             <a:endParaRPr lang="en-US"/>
           </a:p>
@@ -2905,6 +3058,12 @@
           <a:bodyPr/>
           <a:lstStyle>
             <a:lvl1pPr>
+              <a:lnSpc>
+                <a:spcPct val="100000"/>
+              </a:lnSpc>
+              <a:spcBef>
+                <a:spcPts val="1000"/>
+              </a:spcBef>
               <a:defRPr>
                 <a:solidFill>
                   <a:schemeClr val="tx1">
@@ -2915,6 +3074,12 @@
               </a:defRPr>
             </a:lvl1pPr>
             <a:lvl2pPr>
+              <a:lnSpc>
+                <a:spcPct val="100000"/>
+              </a:lnSpc>
+              <a:spcBef>
+                <a:spcPts val="1000"/>
+              </a:spcBef>
               <a:defRPr>
                 <a:solidFill>
                   <a:schemeClr val="tx1">
@@ -2925,6 +3090,12 @@
               </a:defRPr>
             </a:lvl2pPr>
             <a:lvl3pPr>
+              <a:lnSpc>
+                <a:spcPct val="100000"/>
+              </a:lnSpc>
+              <a:spcBef>
+                <a:spcPts val="1000"/>
+              </a:spcBef>
               <a:defRPr>
                 <a:solidFill>
                   <a:schemeClr val="tx1">
@@ -2935,6 +3106,12 @@
               </a:defRPr>
             </a:lvl3pPr>
             <a:lvl4pPr>
+              <a:lnSpc>
+                <a:spcPct val="100000"/>
+              </a:lnSpc>
+              <a:spcBef>
+                <a:spcPts val="1000"/>
+              </a:spcBef>
               <a:defRPr>
                 <a:solidFill>
                   <a:schemeClr val="tx1">
@@ -2945,6 +3122,12 @@
               </a:defRPr>
             </a:lvl4pPr>
             <a:lvl5pPr>
+              <a:lnSpc>
+                <a:spcPct val="100000"/>
+              </a:lnSpc>
+              <a:spcBef>
+                <a:spcPts val="1000"/>
+              </a:spcBef>
               <a:defRPr>
                 <a:solidFill>
                   <a:schemeClr val="tx1">
@@ -3099,6 +3282,12 @@
           <a:bodyPr/>
           <a:lstStyle>
             <a:lvl1pPr>
+              <a:lnSpc>
+                <a:spcPct val="100000"/>
+              </a:lnSpc>
+              <a:spcBef>
+                <a:spcPts val="1000"/>
+              </a:spcBef>
               <a:defRPr>
                 <a:solidFill>
                   <a:schemeClr val="tx1">
@@ -3109,6 +3298,12 @@
               </a:defRPr>
             </a:lvl1pPr>
             <a:lvl2pPr>
+              <a:lnSpc>
+                <a:spcPct val="100000"/>
+              </a:lnSpc>
+              <a:spcBef>
+                <a:spcPts val="1000"/>
+              </a:spcBef>
               <a:defRPr>
                 <a:solidFill>
                   <a:schemeClr val="tx1">
@@ -3119,6 +3314,12 @@
               </a:defRPr>
             </a:lvl2pPr>
             <a:lvl3pPr>
+              <a:lnSpc>
+                <a:spcPct val="100000"/>
+              </a:lnSpc>
+              <a:spcBef>
+                <a:spcPts val="1000"/>
+              </a:spcBef>
               <a:defRPr>
                 <a:solidFill>
                   <a:schemeClr val="tx1">
@@ -3129,6 +3330,12 @@
               </a:defRPr>
             </a:lvl3pPr>
             <a:lvl4pPr>
+              <a:lnSpc>
+                <a:spcPct val="100000"/>
+              </a:lnSpc>
+              <a:spcBef>
+                <a:spcPts val="1000"/>
+              </a:spcBef>
               <a:defRPr>
                 <a:solidFill>
                   <a:schemeClr val="tx1">
@@ -3139,6 +3346,12 @@
               </a:defRPr>
             </a:lvl4pPr>
             <a:lvl5pPr>
+              <a:lnSpc>
+                <a:spcPct val="100000"/>
+              </a:lnSpc>
+              <a:spcBef>
+                <a:spcPts val="1000"/>
+              </a:spcBef>
               <a:defRPr>
                 <a:solidFill>
                   <a:schemeClr val="tx1">
@@ -3152,38 +3365,38 @@
           <a:p>
             <a:pPr lvl="0"/>
             <a:r>
-              <a:rPr lang="en-GB"/>
+              <a:rPr lang="en-GB" dirty="0"/>
               <a:t>Click to edit Master text styles</a:t>
             </a:r>
           </a:p>
           <a:p>
             <a:pPr lvl="1"/>
             <a:r>
-              <a:rPr lang="en-GB"/>
+              <a:rPr lang="en-GB" dirty="0"/>
               <a:t>Second level</a:t>
             </a:r>
           </a:p>
           <a:p>
             <a:pPr lvl="2"/>
             <a:r>
-              <a:rPr lang="en-GB"/>
+              <a:rPr lang="en-GB" dirty="0"/>
               <a:t>Third level</a:t>
             </a:r>
           </a:p>
           <a:p>
             <a:pPr lvl="3"/>
             <a:r>
-              <a:rPr lang="en-GB"/>
+              <a:rPr lang="en-GB" dirty="0"/>
               <a:t>Fourth level</a:t>
             </a:r>
           </a:p>
           <a:p>
             <a:pPr lvl="4"/>
             <a:r>
-              <a:rPr lang="en-GB"/>
+              <a:rPr lang="en-GB" dirty="0"/>
               <a:t>Fifth level</a:t>
             </a:r>
-            <a:endParaRPr lang="en-US"/>
+            <a:endParaRPr lang="en-US" dirty="0"/>
           </a:p>
         </p:txBody>
       </p:sp>
@@ -3222,7 +3435,7 @@
             <a:fld id="{241EB5C9-1307-BA42-ABA2-0BC069CD8E7F}" type="datetimeFigureOut">
               <a:rPr lang="en-US" smtClean="0"/>
               <a:pPr/>
-              <a:t>9/13/22</a:t>
+              <a:t>9/28/22</a:t>
             </a:fld>
             <a:endParaRPr lang="en-US"/>
           </a:p>
@@ -3426,7 +3639,7 @@
             <a:fld id="{241EB5C9-1307-BA42-ABA2-0BC069CD8E7F}" type="datetimeFigureOut">
               <a:rPr lang="en-US" smtClean="0"/>
               <a:pPr/>
-              <a:t>9/13/22</a:t>
+              <a:t>9/28/22</a:t>
             </a:fld>
             <a:endParaRPr lang="en-US"/>
           </a:p>
@@ -3517,6 +3730,36 @@
           </a:p>
         </p:txBody>
       </p:sp>
+      <p:pic>
+        <p:nvPicPr>
+          <p:cNvPr id="6" name="Picture 5" descr="A picture containing text, primate, monitor, indoor&#10;&#10;Description automatically generated">
+            <a:extLst>
+              <a:ext uri="{FF2B5EF4-FFF2-40B4-BE49-F238E27FC236}">
+                <a16:creationId xmlns:a16="http://schemas.microsoft.com/office/drawing/2014/main" id="{0D355E77-5B2E-A2EF-706B-9C4916EA9A9E}"/>
+              </a:ext>
+            </a:extLst>
+          </p:cNvPr>
+          <p:cNvPicPr>
+            <a:picLocks noChangeAspect="1"/>
+          </p:cNvPicPr>
+          <p:nvPr userDrawn="1"/>
+        </p:nvPicPr>
+        <p:blipFill>
+          <a:blip r:embed="rId2"/>
+          <a:stretch>
+            <a:fillRect/>
+          </a:stretch>
+        </p:blipFill>
+        <p:spPr>
+          <a:xfrm>
+            <a:off x="10822010" y="5566889"/>
+            <a:ext cx="1063580" cy="1220148"/>
+          </a:xfrm>
+          <a:prstGeom prst="rect">
+            <a:avLst/>
+          </a:prstGeom>
+        </p:spPr>
+      </p:pic>
     </p:spTree>
     <p:extLst>
       <p:ext uri="{BB962C8B-B14F-4D97-AF65-F5344CB8AC3E}">
@@ -3570,7 +3813,7 @@
           <a:p>
             <a:fld id="{241EB5C9-1307-BA42-ABA2-0BC069CD8E7F}" type="datetimeFigureOut">
               <a:rPr lang="en-US" smtClean="0"/>
-              <a:t>9/13/22</a:t>
+              <a:t>9/28/22</a:t>
             </a:fld>
             <a:endParaRPr lang="en-US"/>
           </a:p>
@@ -3744,6 +3987,12 @@
           <a:bodyPr/>
           <a:lstStyle>
             <a:lvl1pPr>
+              <a:lnSpc>
+                <a:spcPct val="100000"/>
+              </a:lnSpc>
+              <a:spcBef>
+                <a:spcPts val="1000"/>
+              </a:spcBef>
               <a:defRPr sz="1800">
                 <a:solidFill>
                   <a:schemeClr val="tx1">
@@ -3754,6 +4003,12 @@
               </a:defRPr>
             </a:lvl1pPr>
             <a:lvl2pPr>
+              <a:lnSpc>
+                <a:spcPct val="100000"/>
+              </a:lnSpc>
+              <a:spcBef>
+                <a:spcPts val="1000"/>
+              </a:spcBef>
               <a:defRPr sz="1575">
                 <a:solidFill>
                   <a:schemeClr val="tx1">
@@ -3764,6 +4019,12 @@
               </a:defRPr>
             </a:lvl2pPr>
             <a:lvl3pPr>
+              <a:lnSpc>
+                <a:spcPct val="100000"/>
+              </a:lnSpc>
+              <a:spcBef>
+                <a:spcPts val="1000"/>
+              </a:spcBef>
               <a:defRPr sz="1350">
                 <a:solidFill>
                   <a:schemeClr val="tx1">
@@ -3774,6 +4035,12 @@
               </a:defRPr>
             </a:lvl3pPr>
             <a:lvl4pPr>
+              <a:lnSpc>
+                <a:spcPct val="100000"/>
+              </a:lnSpc>
+              <a:spcBef>
+                <a:spcPts val="1000"/>
+              </a:spcBef>
               <a:defRPr sz="1125">
                 <a:solidFill>
                   <a:schemeClr val="tx1">
@@ -3784,6 +4051,12 @@
               </a:defRPr>
             </a:lvl4pPr>
             <a:lvl5pPr>
+              <a:lnSpc>
+                <a:spcPct val="100000"/>
+              </a:lnSpc>
+              <a:spcBef>
+                <a:spcPts val="1000"/>
+              </a:spcBef>
               <a:defRPr sz="1125">
                 <a:solidFill>
                   <a:schemeClr val="tx1">
@@ -3959,7 +4232,7 @@
             <a:fld id="{241EB5C9-1307-BA42-ABA2-0BC069CD8E7F}" type="datetimeFigureOut">
               <a:rPr lang="en-US" smtClean="0"/>
               <a:pPr/>
-              <a:t>9/13/22</a:t>
+              <a:t>9/28/22</a:t>
             </a:fld>
             <a:endParaRPr lang="en-US"/>
           </a:p>
@@ -4323,7 +4596,7 @@
             <a:fld id="{241EB5C9-1307-BA42-ABA2-0BC069CD8E7F}" type="datetimeFigureOut">
               <a:rPr lang="en-US" smtClean="0"/>
               <a:pPr/>
-              <a:t>9/13/22</a:t>
+              <a:t>9/28/22</a:t>
             </a:fld>
             <a:endParaRPr lang="en-US"/>
           </a:p>
@@ -4433,10 +4706,9 @@
     <p:bg>
       <p:bgPr>
         <a:solidFill>
-          <a:schemeClr val="accent4">
-            <a:lumMod val="20000"/>
-            <a:lumOff val="80000"/>
-            <a:alpha val="10335"/>
+          <a:schemeClr val="bg1">
+            <a:lumMod val="95000"/>
+            <a:alpha val="0"/>
           </a:schemeClr>
         </a:solidFill>
         <a:effectLst/>
@@ -4568,7 +4840,7 @@
             <a:fld id="{241EB5C9-1307-BA42-ABA2-0BC069CD8E7F}" type="datetimeFigureOut">
               <a:rPr lang="en-US" smtClean="0"/>
               <a:pPr/>
-              <a:t>9/13/22</a:t>
+              <a:t>9/28/22</a:t>
             </a:fld>
             <a:endParaRPr lang="en-US"/>
           </a:p>
@@ -4593,7 +4865,7 @@
         <p:spPr>
           <a:xfrm>
             <a:off x="8610600" y="6356354"/>
-            <a:ext cx="2743200" cy="365125"/>
+            <a:ext cx="1993710" cy="365125"/>
           </a:xfrm>
           <a:prstGeom prst="rect">
             <a:avLst/>
@@ -4742,10 +5014,7 @@
         <a:buNone/>
         <a:defRPr sz="3200" b="1" i="0" kern="1200" baseline="0">
           <a:solidFill>
-            <a:schemeClr val="tx1">
-              <a:lumMod val="75000"/>
-              <a:lumOff val="25000"/>
-            </a:schemeClr>
+            <a:schemeClr val="tx1"/>
           </a:solidFill>
           <a:latin typeface="Atkinson Hyperlegible" pitchFamily="2" charset="0"/>
           <a:ea typeface="+mj-ea"/>
@@ -4765,10 +5034,7 @@
         <a:buChar char="•"/>
         <a:defRPr sz="1800" b="0" i="0" kern="1200" baseline="0">
           <a:solidFill>
-            <a:schemeClr val="tx1">
-              <a:lumMod val="75000"/>
-              <a:lumOff val="25000"/>
-            </a:schemeClr>
+            <a:schemeClr val="tx1"/>
           </a:solidFill>
           <a:latin typeface="Atkinson Hyperlegible" pitchFamily="2" charset="0"/>
           <a:ea typeface="+mn-ea"/>
@@ -4786,10 +5052,7 @@
         <a:buChar char="•"/>
         <a:defRPr sz="1800" b="0" i="0" kern="1200" baseline="0">
           <a:solidFill>
-            <a:schemeClr val="tx1">
-              <a:lumMod val="75000"/>
-              <a:lumOff val="25000"/>
-            </a:schemeClr>
+            <a:schemeClr val="tx1"/>
           </a:solidFill>
           <a:latin typeface="Atkinson Hyperlegible" pitchFamily="2" charset="0"/>
           <a:ea typeface="+mn-ea"/>
@@ -4807,10 +5070,7 @@
         <a:buChar char="•"/>
         <a:defRPr sz="1800" b="0" i="0" kern="1200" baseline="0">
           <a:solidFill>
-            <a:schemeClr val="tx1">
-              <a:lumMod val="75000"/>
-              <a:lumOff val="25000"/>
-            </a:schemeClr>
+            <a:schemeClr val="tx1"/>
           </a:solidFill>
           <a:latin typeface="Atkinson Hyperlegible" pitchFamily="2" charset="0"/>
           <a:ea typeface="+mn-ea"/>
@@ -4828,10 +5088,7 @@
         <a:buChar char="•"/>
         <a:defRPr sz="1800" b="0" i="0" kern="1200" baseline="0">
           <a:solidFill>
-            <a:schemeClr val="tx1">
-              <a:lumMod val="75000"/>
-              <a:lumOff val="25000"/>
-            </a:schemeClr>
+            <a:schemeClr val="tx1"/>
           </a:solidFill>
           <a:latin typeface="Atkinson Hyperlegible" pitchFamily="2" charset="0"/>
           <a:ea typeface="+mn-ea"/>
@@ -4849,10 +5106,7 @@
         <a:buChar char="•"/>
         <a:defRPr sz="1800" b="0" i="0" kern="1200" baseline="0">
           <a:solidFill>
-            <a:schemeClr val="tx1">
-              <a:lumMod val="75000"/>
-              <a:lumOff val="25000"/>
-            </a:schemeClr>
+            <a:schemeClr val="tx1"/>
           </a:solidFill>
           <a:latin typeface="Atkinson Hyperlegible" pitchFamily="2" charset="0"/>
           <a:ea typeface="+mn-ea"/>
@@ -5078,6 +5332,7 @@
           <a:lstStyle/>
           <a:p>
             <a:r>
+              <a:rPr dirty="0"/>
               <a:t>Slides 1</a:t>
             </a:r>
           </a:p>
@@ -5109,11 +5364,17 @@
           <a:bodyPr/>
           <a:lstStyle/>
           <a:p>
-            <a:br/>
-            <a:br/>
-            <a:r>
-              <a:t>James Adams</a:t>
-            </a:r>
+            <a:br>
+              <a:rPr dirty="0"/>
+            </a:br>
+            <a:br>
+              <a:rPr dirty="0"/>
+            </a:br>
+            <a:r>
+              <a:rPr lang="en-GB" dirty="0"/>
+              <a:t>Gordon Wright</a:t>
+            </a:r>
+            <a:endParaRPr dirty="0"/>
           </a:p>
         </p:txBody>
       </p:sp>
@@ -5694,7 +5955,7 @@
 <file path=ppt/theme/theme1.xml><?xml version="1.0" encoding="utf-8"?>
 <a:theme xmlns:a="http://schemas.openxmlformats.org/drawingml/2006/main" name="gordonppt">
   <a:themeElements>
-    <a:clrScheme name="Office">
+    <a:clrScheme name="Blue Warm">
       <a:dk1>
         <a:sysClr val="windowText" lastClr="000000"/>
       </a:dk1>
@@ -5702,34 +5963,34 @@
         <a:sysClr val="window" lastClr="FFFFFF"/>
       </a:lt1>
       <a:dk2>
-        <a:srgbClr val="44546A"/>
+        <a:srgbClr val="242852"/>
       </a:dk2>
       <a:lt2>
-        <a:srgbClr val="E7E6E6"/>
+        <a:srgbClr val="ACCBF9"/>
       </a:lt2>
       <a:accent1>
-        <a:srgbClr val="4472C4"/>
+        <a:srgbClr val="4A66AC"/>
       </a:accent1>
       <a:accent2>
-        <a:srgbClr val="ED7D31"/>
+        <a:srgbClr val="629DD1"/>
       </a:accent2>
       <a:accent3>
-        <a:srgbClr val="A5A5A5"/>
+        <a:srgbClr val="297FD5"/>
       </a:accent3>
       <a:accent4>
-        <a:srgbClr val="FFC000"/>
+        <a:srgbClr val="7F8FA9"/>
       </a:accent4>
       <a:accent5>
-        <a:srgbClr val="5B9BD5"/>
+        <a:srgbClr val="5AA2AE"/>
       </a:accent5>
       <a:accent6>
-        <a:srgbClr val="70AD47"/>
+        <a:srgbClr val="9D90A0"/>
       </a:accent6>
       <a:hlink>
-        <a:srgbClr val="0563C1"/>
+        <a:srgbClr val="9454C3"/>
       </a:hlink>
       <a:folHlink>
-        <a:srgbClr val="954F72"/>
+        <a:srgbClr val="3EBBF0"/>
       </a:folHlink>
     </a:clrScheme>
     <a:fontScheme name="Tw Cen MT-Rockwell">

--- a/lectures/_resources/templates/pptx/RMLecturepptxTemplate.pptx
+++ b/lectures/_resources/templates/pptx/RMLecturepptxTemplate.pptx
@@ -214,7 +214,7 @@
           <a:p>
             <a:fld id="{0F9C1CCF-B725-44A7-AA57-5E433BD85C9F}" type="datetimeFigureOut">
               <a:rPr lang="en-US" smtClean="0"/>
-              <a:t>9/28/22</a:t>
+              <a:t>9/30/22</a:t>
             </a:fld>
             <a:endParaRPr lang="en-US"/>
           </a:p>
@@ -746,7 +746,7 @@
             <a:fld id="{241EB5C9-1307-BA42-ABA2-0BC069CD8E7F}" type="datetimeFigureOut">
               <a:rPr lang="en-US" smtClean="0"/>
               <a:pPr/>
-              <a:t>9/28/22</a:t>
+              <a:t>9/30/22</a:t>
             </a:fld>
             <a:endParaRPr lang="en-US" dirty="0"/>
           </a:p>
@@ -859,7 +859,7 @@
         </p:blipFill>
         <p:spPr>
           <a:xfrm>
-            <a:off x="10822010" y="5566889"/>
+            <a:off x="10913450" y="151609"/>
             <a:ext cx="1063580" cy="1220148"/>
           </a:xfrm>
           <a:prstGeom prst="rect">
@@ -1089,7 +1089,7 @@
             <a:fld id="{241EB5C9-1307-BA42-ABA2-0BC069CD8E7F}" type="datetimeFigureOut">
               <a:rPr lang="en-US" smtClean="0"/>
               <a:pPr/>
-              <a:t>9/28/22</a:t>
+              <a:t>9/30/22</a:t>
             </a:fld>
             <a:endParaRPr lang="en-US"/>
           </a:p>
@@ -1407,7 +1407,7 @@
             <a:fld id="{241EB5C9-1307-BA42-ABA2-0BC069CD8E7F}" type="datetimeFigureOut">
               <a:rPr lang="en-US" smtClean="0"/>
               <a:pPr/>
-              <a:t>9/28/22</a:t>
+              <a:t>9/30/22</a:t>
             </a:fld>
             <a:endParaRPr lang="en-US"/>
           </a:p>
@@ -1723,7 +1723,7 @@
           <a:p>
             <a:fld id="{241EB5C9-1307-BA42-ABA2-0BC069CD8E7F}" type="datetimeFigureOut">
               <a:rPr lang="en-US" smtClean="0"/>
-              <a:t>9/28/22</a:t>
+              <a:t>9/30/22</a:t>
             </a:fld>
             <a:endParaRPr lang="en-US"/>
           </a:p>
@@ -1813,7 +1813,7 @@
         </p:blipFill>
         <p:spPr>
           <a:xfrm>
-            <a:off x="10822010" y="5566889"/>
+            <a:off x="10964250" y="158272"/>
             <a:ext cx="1063580" cy="1220148"/>
           </a:xfrm>
           <a:prstGeom prst="rect">
@@ -2070,7 +2070,7 @@
             <a:fld id="{241EB5C9-1307-BA42-ABA2-0BC069CD8E7F}" type="datetimeFigureOut">
               <a:rPr lang="en-US" smtClean="0"/>
               <a:pPr/>
-              <a:t>9/28/22</a:t>
+              <a:t>9/30/22</a:t>
             </a:fld>
             <a:endParaRPr lang="en-US"/>
           </a:p>
@@ -2263,7 +2263,7 @@
           <a:p>
             <a:fld id="{241EB5C9-1307-BA42-ABA2-0BC069CD8E7F}" type="datetimeFigureOut">
               <a:rPr lang="en-US" smtClean="0"/>
-              <a:t>9/28/22</a:t>
+              <a:t>9/30/22</a:t>
             </a:fld>
             <a:endParaRPr lang="en-US"/>
           </a:p>
@@ -2353,7 +2353,7 @@
         </p:blipFill>
         <p:spPr>
           <a:xfrm>
-            <a:off x="10822010" y="5566889"/>
+            <a:off x="10994730" y="131289"/>
             <a:ext cx="1063580" cy="1220148"/>
           </a:xfrm>
           <a:prstGeom prst="rect">
@@ -2782,7 +2782,7 @@
             <a:fld id="{241EB5C9-1307-BA42-ABA2-0BC069CD8E7F}" type="datetimeFigureOut">
               <a:rPr lang="en-US" smtClean="0"/>
               <a:pPr/>
-              <a:t>9/28/22</a:t>
+              <a:t>9/30/22</a:t>
             </a:fld>
             <a:endParaRPr lang="en-US"/>
           </a:p>
@@ -3435,7 +3435,7 @@
             <a:fld id="{241EB5C9-1307-BA42-ABA2-0BC069CD8E7F}" type="datetimeFigureOut">
               <a:rPr lang="en-US" smtClean="0"/>
               <a:pPr/>
-              <a:t>9/28/22</a:t>
+              <a:t>9/30/22</a:t>
             </a:fld>
             <a:endParaRPr lang="en-US"/>
           </a:p>
@@ -3639,7 +3639,7 @@
             <a:fld id="{241EB5C9-1307-BA42-ABA2-0BC069CD8E7F}" type="datetimeFigureOut">
               <a:rPr lang="en-US" smtClean="0"/>
               <a:pPr/>
-              <a:t>9/28/22</a:t>
+              <a:t>9/30/22</a:t>
             </a:fld>
             <a:endParaRPr lang="en-US"/>
           </a:p>
@@ -3752,7 +3752,7 @@
         </p:blipFill>
         <p:spPr>
           <a:xfrm>
-            <a:off x="10822010" y="5566889"/>
+            <a:off x="10994730" y="161769"/>
             <a:ext cx="1063580" cy="1220148"/>
           </a:xfrm>
           <a:prstGeom prst="rect">
@@ -3813,7 +3813,7 @@
           <a:p>
             <a:fld id="{241EB5C9-1307-BA42-ABA2-0BC069CD8E7F}" type="datetimeFigureOut">
               <a:rPr lang="en-US" smtClean="0"/>
-              <a:t>9/28/22</a:t>
+              <a:t>9/30/22</a:t>
             </a:fld>
             <a:endParaRPr lang="en-US"/>
           </a:p>
@@ -4232,7 +4232,7 @@
             <a:fld id="{241EB5C9-1307-BA42-ABA2-0BC069CD8E7F}" type="datetimeFigureOut">
               <a:rPr lang="en-US" smtClean="0"/>
               <a:pPr/>
-              <a:t>9/28/22</a:t>
+              <a:t>9/30/22</a:t>
             </a:fld>
             <a:endParaRPr lang="en-US"/>
           </a:p>
@@ -4596,7 +4596,7 @@
             <a:fld id="{241EB5C9-1307-BA42-ABA2-0BC069CD8E7F}" type="datetimeFigureOut">
               <a:rPr lang="en-US" smtClean="0"/>
               <a:pPr/>
-              <a:t>9/28/22</a:t>
+              <a:t>9/30/22</a:t>
             </a:fld>
             <a:endParaRPr lang="en-US"/>
           </a:p>
@@ -4840,7 +4840,7 @@
             <a:fld id="{241EB5C9-1307-BA42-ABA2-0BC069CD8E7F}" type="datetimeFigureOut">
               <a:rPr lang="en-US" smtClean="0"/>
               <a:pPr/>
-              <a:t>9/28/22</a:t>
+              <a:t>9/30/22</a:t>
             </a:fld>
             <a:endParaRPr lang="en-US"/>
           </a:p>
